--- a/Session-1.pptx
+++ b/Session-1.pptx
@@ -132,7 +132,7 @@
   </p:defaultTextStyle>
   <p:extLst>
     <p:ext uri="{EFAFB233-063F-42B5-8137-9DF3F51BA10A}">
-      <p15:sldGuideLst xmlns:p15="http://schemas.microsoft.com/office/powerpoint/2012/main" xmlns=""/>
+      <p15:sldGuideLst xmlns="" xmlns:p15="http://schemas.microsoft.com/office/powerpoint/2012/main"/>
     </p:ext>
   </p:extLst>
 </p:presentation>
@@ -270,7 +270,7 @@
             <a:fld id="{3BC3F569-19F3-4A8F-BF89-6321182380A1}" type="datetimeFigureOut">
               <a:rPr lang="en-IN" smtClean="0"/>
               <a:pPr/>
-              <a:t>27-01-2024</a:t>
+              <a:t>03-02-2024</a:t>
             </a:fld>
             <a:endParaRPr lang="en-IN"/>
           </a:p>
@@ -322,7 +322,7 @@
     </p:spTree>
     <p:extLst>
       <p:ext uri="{BB962C8B-B14F-4D97-AF65-F5344CB8AC3E}">
-        <p14:creationId xmlns:p14="http://schemas.microsoft.com/office/powerpoint/2010/main" xmlns="" val="3827164708"/>
+        <p14:creationId xmlns="" xmlns:p14="http://schemas.microsoft.com/office/powerpoint/2010/main" val="3827164708"/>
       </p:ext>
     </p:extLst>
   </p:cSld>
@@ -442,7 +442,7 @@
             <a:fld id="{3BC3F569-19F3-4A8F-BF89-6321182380A1}" type="datetimeFigureOut">
               <a:rPr lang="en-IN" smtClean="0"/>
               <a:pPr/>
-              <a:t>27-01-2024</a:t>
+              <a:t>03-02-2024</a:t>
             </a:fld>
             <a:endParaRPr lang="en-IN"/>
           </a:p>
@@ -494,7 +494,7 @@
     </p:spTree>
     <p:extLst>
       <p:ext uri="{BB962C8B-B14F-4D97-AF65-F5344CB8AC3E}">
-        <p14:creationId xmlns:p14="http://schemas.microsoft.com/office/powerpoint/2010/main" xmlns="" val="1601671629"/>
+        <p14:creationId xmlns="" xmlns:p14="http://schemas.microsoft.com/office/powerpoint/2010/main" val="1601671629"/>
       </p:ext>
     </p:extLst>
   </p:cSld>
@@ -624,7 +624,7 @@
             <a:fld id="{3BC3F569-19F3-4A8F-BF89-6321182380A1}" type="datetimeFigureOut">
               <a:rPr lang="en-IN" smtClean="0"/>
               <a:pPr/>
-              <a:t>27-01-2024</a:t>
+              <a:t>03-02-2024</a:t>
             </a:fld>
             <a:endParaRPr lang="en-IN"/>
           </a:p>
@@ -676,7 +676,7 @@
     </p:spTree>
     <p:extLst>
       <p:ext uri="{BB962C8B-B14F-4D97-AF65-F5344CB8AC3E}">
-        <p14:creationId xmlns:p14="http://schemas.microsoft.com/office/powerpoint/2010/main" xmlns="" val="1655955098"/>
+        <p14:creationId xmlns="" xmlns:p14="http://schemas.microsoft.com/office/powerpoint/2010/main" val="1655955098"/>
       </p:ext>
     </p:extLst>
   </p:cSld>
@@ -796,7 +796,7 @@
             <a:fld id="{3BC3F569-19F3-4A8F-BF89-6321182380A1}" type="datetimeFigureOut">
               <a:rPr lang="en-IN" smtClean="0"/>
               <a:pPr/>
-              <a:t>27-01-2024</a:t>
+              <a:t>03-02-2024</a:t>
             </a:fld>
             <a:endParaRPr lang="en-IN"/>
           </a:p>
@@ -848,7 +848,7 @@
     </p:spTree>
     <p:extLst>
       <p:ext uri="{BB962C8B-B14F-4D97-AF65-F5344CB8AC3E}">
-        <p14:creationId xmlns:p14="http://schemas.microsoft.com/office/powerpoint/2010/main" xmlns="" val="2585077168"/>
+        <p14:creationId xmlns="" xmlns:p14="http://schemas.microsoft.com/office/powerpoint/2010/main" val="2585077168"/>
       </p:ext>
     </p:extLst>
   </p:cSld>
@@ -1044,7 +1044,7 @@
             <a:fld id="{3BC3F569-19F3-4A8F-BF89-6321182380A1}" type="datetimeFigureOut">
               <a:rPr lang="en-IN" smtClean="0"/>
               <a:pPr/>
-              <a:t>27-01-2024</a:t>
+              <a:t>03-02-2024</a:t>
             </a:fld>
             <a:endParaRPr lang="en-IN"/>
           </a:p>
@@ -1096,7 +1096,7 @@
     </p:spTree>
     <p:extLst>
       <p:ext uri="{BB962C8B-B14F-4D97-AF65-F5344CB8AC3E}">
-        <p14:creationId xmlns:p14="http://schemas.microsoft.com/office/powerpoint/2010/main" xmlns="" val="3568663865"/>
+        <p14:creationId xmlns="" xmlns:p14="http://schemas.microsoft.com/office/powerpoint/2010/main" val="3568663865"/>
       </p:ext>
     </p:extLst>
   </p:cSld>
@@ -1278,7 +1278,7 @@
             <a:fld id="{3BC3F569-19F3-4A8F-BF89-6321182380A1}" type="datetimeFigureOut">
               <a:rPr lang="en-IN" smtClean="0"/>
               <a:pPr/>
-              <a:t>27-01-2024</a:t>
+              <a:t>03-02-2024</a:t>
             </a:fld>
             <a:endParaRPr lang="en-IN"/>
           </a:p>
@@ -1330,7 +1330,7 @@
     </p:spTree>
     <p:extLst>
       <p:ext uri="{BB962C8B-B14F-4D97-AF65-F5344CB8AC3E}">
-        <p14:creationId xmlns:p14="http://schemas.microsoft.com/office/powerpoint/2010/main" xmlns="" val="2584356441"/>
+        <p14:creationId xmlns="" xmlns:p14="http://schemas.microsoft.com/office/powerpoint/2010/main" val="2584356441"/>
       </p:ext>
     </p:extLst>
   </p:cSld>
@@ -1647,7 +1647,7 @@
             <a:fld id="{3BC3F569-19F3-4A8F-BF89-6321182380A1}" type="datetimeFigureOut">
               <a:rPr lang="en-IN" smtClean="0"/>
               <a:pPr/>
-              <a:t>27-01-2024</a:t>
+              <a:t>03-02-2024</a:t>
             </a:fld>
             <a:endParaRPr lang="en-IN"/>
           </a:p>
@@ -1699,7 +1699,7 @@
     </p:spTree>
     <p:extLst>
       <p:ext uri="{BB962C8B-B14F-4D97-AF65-F5344CB8AC3E}">
-        <p14:creationId xmlns:p14="http://schemas.microsoft.com/office/powerpoint/2010/main" xmlns="" val="2496468336"/>
+        <p14:creationId xmlns="" xmlns:p14="http://schemas.microsoft.com/office/powerpoint/2010/main" val="2496468336"/>
       </p:ext>
     </p:extLst>
   </p:cSld>
@@ -1767,7 +1767,7 @@
             <a:fld id="{3BC3F569-19F3-4A8F-BF89-6321182380A1}" type="datetimeFigureOut">
               <a:rPr lang="en-IN" smtClean="0"/>
               <a:pPr/>
-              <a:t>27-01-2024</a:t>
+              <a:t>03-02-2024</a:t>
             </a:fld>
             <a:endParaRPr lang="en-IN"/>
           </a:p>
@@ -1819,7 +1819,7 @@
     </p:spTree>
     <p:extLst>
       <p:ext uri="{BB962C8B-B14F-4D97-AF65-F5344CB8AC3E}">
-        <p14:creationId xmlns:p14="http://schemas.microsoft.com/office/powerpoint/2010/main" xmlns="" val="1946548324"/>
+        <p14:creationId xmlns="" xmlns:p14="http://schemas.microsoft.com/office/powerpoint/2010/main" val="1946548324"/>
       </p:ext>
     </p:extLst>
   </p:cSld>
@@ -1864,7 +1864,7 @@
             <a:fld id="{3BC3F569-19F3-4A8F-BF89-6321182380A1}" type="datetimeFigureOut">
               <a:rPr lang="en-IN" smtClean="0"/>
               <a:pPr/>
-              <a:t>27-01-2024</a:t>
+              <a:t>03-02-2024</a:t>
             </a:fld>
             <a:endParaRPr lang="en-IN"/>
           </a:p>
@@ -1916,7 +1916,7 @@
     </p:spTree>
     <p:extLst>
       <p:ext uri="{BB962C8B-B14F-4D97-AF65-F5344CB8AC3E}">
-        <p14:creationId xmlns:p14="http://schemas.microsoft.com/office/powerpoint/2010/main" xmlns="" val="4094429933"/>
+        <p14:creationId xmlns="" xmlns:p14="http://schemas.microsoft.com/office/powerpoint/2010/main" val="4094429933"/>
       </p:ext>
     </p:extLst>
   </p:cSld>
@@ -2143,7 +2143,7 @@
             <a:fld id="{3BC3F569-19F3-4A8F-BF89-6321182380A1}" type="datetimeFigureOut">
               <a:rPr lang="en-IN" smtClean="0"/>
               <a:pPr/>
-              <a:t>27-01-2024</a:t>
+              <a:t>03-02-2024</a:t>
             </a:fld>
             <a:endParaRPr lang="en-IN"/>
           </a:p>
@@ -2195,7 +2195,7 @@
     </p:spTree>
     <p:extLst>
       <p:ext uri="{BB962C8B-B14F-4D97-AF65-F5344CB8AC3E}">
-        <p14:creationId xmlns:p14="http://schemas.microsoft.com/office/powerpoint/2010/main" xmlns="" val="833199825"/>
+        <p14:creationId xmlns="" xmlns:p14="http://schemas.microsoft.com/office/powerpoint/2010/main" val="833199825"/>
       </p:ext>
     </p:extLst>
   </p:cSld>
@@ -2402,7 +2402,7 @@
             <a:fld id="{3BC3F569-19F3-4A8F-BF89-6321182380A1}" type="datetimeFigureOut">
               <a:rPr lang="en-IN" smtClean="0"/>
               <a:pPr/>
-              <a:t>27-01-2024</a:t>
+              <a:t>03-02-2024</a:t>
             </a:fld>
             <a:endParaRPr lang="en-IN"/>
           </a:p>
@@ -2454,7 +2454,7 @@
     </p:spTree>
     <p:extLst>
       <p:ext uri="{BB962C8B-B14F-4D97-AF65-F5344CB8AC3E}">
-        <p14:creationId xmlns:p14="http://schemas.microsoft.com/office/powerpoint/2010/main" xmlns="" val="458076871"/>
+        <p14:creationId xmlns="" xmlns:p14="http://schemas.microsoft.com/office/powerpoint/2010/main" val="458076871"/>
       </p:ext>
     </p:extLst>
   </p:cSld>
@@ -2617,7 +2617,7 @@
             <a:fld id="{3BC3F569-19F3-4A8F-BF89-6321182380A1}" type="datetimeFigureOut">
               <a:rPr lang="en-IN" smtClean="0"/>
               <a:pPr/>
-              <a:t>27-01-2024</a:t>
+              <a:t>03-02-2024</a:t>
             </a:fld>
             <a:endParaRPr lang="en-IN"/>
           </a:p>
@@ -2705,7 +2705,7 @@
     </p:spTree>
     <p:extLst>
       <p:ext uri="{BB962C8B-B14F-4D97-AF65-F5344CB8AC3E}">
-        <p14:creationId xmlns:p14="http://schemas.microsoft.com/office/powerpoint/2010/main" xmlns="" val="1517380550"/>
+        <p14:creationId xmlns="" xmlns:p14="http://schemas.microsoft.com/office/powerpoint/2010/main" val="1517380550"/>
       </p:ext>
     </p:extLst>
   </p:cSld>
@@ -3028,7 +3028,7 @@
           <p:cNvPr id="2" name="Title 1">
             <a:extLst>
               <a:ext uri="{FF2B5EF4-FFF2-40B4-BE49-F238E27FC236}">
-                <a16:creationId xmlns:a16="http://schemas.microsoft.com/office/drawing/2014/main" xmlns="" id="{B42130E3-EE1E-4FC3-9855-CD09D19B3D94}"/>
+                <a16:creationId xmlns="" xmlns:a16="http://schemas.microsoft.com/office/drawing/2014/main" id="{B42130E3-EE1E-4FC3-9855-CD09D19B3D94}"/>
               </a:ext>
             </a:extLst>
           </p:cNvPr>
@@ -3053,7 +3053,7 @@
           <p:cNvPr id="3" name="Subtitle 2">
             <a:extLst>
               <a:ext uri="{FF2B5EF4-FFF2-40B4-BE49-F238E27FC236}">
-                <a16:creationId xmlns:a16="http://schemas.microsoft.com/office/drawing/2014/main" xmlns="" id="{52DA6F91-7503-431F-A37E-6F0119440BE3}"/>
+                <a16:creationId xmlns="" xmlns:a16="http://schemas.microsoft.com/office/drawing/2014/main" id="{52DA6F91-7503-431F-A37E-6F0119440BE3}"/>
               </a:ext>
             </a:extLst>
           </p:cNvPr>
@@ -3078,7 +3078,7 @@
           <p:cNvPr id="7" name="TextBox 6">
             <a:extLst>
               <a:ext uri="{FF2B5EF4-FFF2-40B4-BE49-F238E27FC236}">
-                <a16:creationId xmlns:a16="http://schemas.microsoft.com/office/drawing/2014/main" xmlns="" id="{B5B8B457-573B-4365-B39A-69F24FEF44CB}"/>
+                <a16:creationId xmlns="" xmlns:a16="http://schemas.microsoft.com/office/drawing/2014/main" id="{B5B8B457-573B-4365-B39A-69F24FEF44CB}"/>
               </a:ext>
             </a:extLst>
           </p:cNvPr>
@@ -3128,7 +3128,7 @@
     </p:spTree>
     <p:extLst>
       <p:ext uri="{BB962C8B-B14F-4D97-AF65-F5344CB8AC3E}">
-        <p14:creationId xmlns:p14="http://schemas.microsoft.com/office/powerpoint/2010/main" xmlns="" val="4124445370"/>
+        <p14:creationId xmlns="" xmlns:p14="http://schemas.microsoft.com/office/powerpoint/2010/main" val="4124445370"/>
       </p:ext>
     </p:extLst>
   </p:cSld>
@@ -3167,7 +3167,7 @@
           <p:cNvPr id="2" name="Title 1">
             <a:extLst>
               <a:ext uri="{FF2B5EF4-FFF2-40B4-BE49-F238E27FC236}">
-                <a16:creationId xmlns:a16="http://schemas.microsoft.com/office/drawing/2014/main" xmlns="" id="{6F7059DB-DE30-4237-807B-51D9B89D1491}"/>
+                <a16:creationId xmlns="" xmlns:a16="http://schemas.microsoft.com/office/drawing/2014/main" id="{6F7059DB-DE30-4237-807B-51D9B89D1491}"/>
               </a:ext>
             </a:extLst>
           </p:cNvPr>
@@ -3192,7 +3192,7 @@
           <p:cNvPr id="3" name="Content Placeholder 2">
             <a:extLst>
               <a:ext uri="{FF2B5EF4-FFF2-40B4-BE49-F238E27FC236}">
-                <a16:creationId xmlns:a16="http://schemas.microsoft.com/office/drawing/2014/main" xmlns="" id="{17C2DF37-436D-4FD6-8984-CDF9552466EC}"/>
+                <a16:creationId xmlns="" xmlns:a16="http://schemas.microsoft.com/office/drawing/2014/main" id="{17C2DF37-436D-4FD6-8984-CDF9552466EC}"/>
               </a:ext>
             </a:extLst>
           </p:cNvPr>
@@ -3217,7 +3217,7 @@
           <p:cNvPr id="6" name="TextBox 5">
             <a:extLst>
               <a:ext uri="{FF2B5EF4-FFF2-40B4-BE49-F238E27FC236}">
-                <a16:creationId xmlns:a16="http://schemas.microsoft.com/office/drawing/2014/main" xmlns="" id="{7D2AABA3-371C-4EBF-9FEA-348A8737D1DA}"/>
+                <a16:creationId xmlns="" xmlns:a16="http://schemas.microsoft.com/office/drawing/2014/main" id="{7D2AABA3-371C-4EBF-9FEA-348A8737D1DA}"/>
               </a:ext>
             </a:extLst>
           </p:cNvPr>
@@ -3430,7 +3430,7 @@
     </p:spTree>
     <p:extLst>
       <p:ext uri="{BB962C8B-B14F-4D97-AF65-F5344CB8AC3E}">
-        <p14:creationId xmlns:p14="http://schemas.microsoft.com/office/powerpoint/2010/main" xmlns="" val="4170734916"/>
+        <p14:creationId xmlns="" xmlns:p14="http://schemas.microsoft.com/office/powerpoint/2010/main" val="4170734916"/>
       </p:ext>
     </p:extLst>
   </p:cSld>
@@ -3913,60 +3913,10 @@
       </p:grpSpPr>
       <p:sp>
         <p:nvSpPr>
-          <p:cNvPr id="2" name="Title 1">
-            <a:extLst>
-              <a:ext uri="{FF2B5EF4-FFF2-40B4-BE49-F238E27FC236}">
-                <a16:creationId xmlns:a16="http://schemas.microsoft.com/office/drawing/2014/main" xmlns="" id="{1359EB95-024F-4DBD-A780-4E0526C3F9E6}"/>
-              </a:ext>
-            </a:extLst>
-          </p:cNvPr>
-          <p:cNvSpPr>
-            <a:spLocks noGrp="1"/>
-          </p:cNvSpPr>
-          <p:nvPr>
-            <p:ph type="title"/>
-          </p:nvPr>
-        </p:nvSpPr>
-        <p:spPr/>
-        <p:txBody>
-          <a:bodyPr/>
-          <a:lstStyle/>
-          <a:p>
-            <a:endParaRPr lang="en-IN"/>
-          </a:p>
-        </p:txBody>
-      </p:sp>
-      <p:sp>
-        <p:nvSpPr>
-          <p:cNvPr id="3" name="Content Placeholder 2">
-            <a:extLst>
-              <a:ext uri="{FF2B5EF4-FFF2-40B4-BE49-F238E27FC236}">
-                <a16:creationId xmlns:a16="http://schemas.microsoft.com/office/drawing/2014/main" xmlns="" id="{32F22EB3-2764-4E6C-A930-48CF5CA1A50B}"/>
-              </a:ext>
-            </a:extLst>
-          </p:cNvPr>
-          <p:cNvSpPr>
-            <a:spLocks noGrp="1"/>
-          </p:cNvSpPr>
-          <p:nvPr>
-            <p:ph idx="1"/>
-          </p:nvPr>
-        </p:nvSpPr>
-        <p:spPr/>
-        <p:txBody>
-          <a:bodyPr/>
-          <a:lstStyle/>
-          <a:p>
-            <a:endParaRPr lang="en-IN"/>
-          </a:p>
-        </p:txBody>
-      </p:sp>
-      <p:sp>
-        <p:nvSpPr>
           <p:cNvPr id="6" name="TextBox 5">
             <a:extLst>
               <a:ext uri="{FF2B5EF4-FFF2-40B4-BE49-F238E27FC236}">
-                <a16:creationId xmlns:a16="http://schemas.microsoft.com/office/drawing/2014/main" xmlns="" id="{AB60295D-2B3E-44EB-91C9-DA458D18C08A}"/>
+                <a16:creationId xmlns="" xmlns:a16="http://schemas.microsoft.com/office/drawing/2014/main" id="{AB60295D-2B3E-44EB-91C9-DA458D18C08A}"/>
               </a:ext>
             </a:extLst>
           </p:cNvPr>
@@ -3975,7 +3925,7 @@
         </p:nvSpPr>
         <p:spPr>
           <a:xfrm>
-            <a:off x="838200" y="1492915"/>
+            <a:off x="838200" y="274320"/>
             <a:ext cx="10515599" cy="5016758"/>
           </a:xfrm>
           <a:prstGeom prst="rect">
@@ -4221,7 +4171,7 @@
     </p:spTree>
     <p:extLst>
       <p:ext uri="{BB962C8B-B14F-4D97-AF65-F5344CB8AC3E}">
-        <p14:creationId xmlns:p14="http://schemas.microsoft.com/office/powerpoint/2010/main" xmlns="" val="1830350135"/>
+        <p14:creationId xmlns="" xmlns:p14="http://schemas.microsoft.com/office/powerpoint/2010/main" val="1830350135"/>
       </p:ext>
     </p:extLst>
   </p:cSld>
@@ -5977,7 +5927,7 @@
           <p:cNvPr id="2" name="Title 1">
             <a:extLst>
               <a:ext uri="{FF2B5EF4-FFF2-40B4-BE49-F238E27FC236}">
-                <a16:creationId xmlns:a16="http://schemas.microsoft.com/office/drawing/2014/main" xmlns="" id="{FD19FA77-CA70-4DCD-8B7F-8DC4E9918FBF}"/>
+                <a16:creationId xmlns="" xmlns:a16="http://schemas.microsoft.com/office/drawing/2014/main" id="{FD19FA77-CA70-4DCD-8B7F-8DC4E9918FBF}"/>
               </a:ext>
             </a:extLst>
           </p:cNvPr>
@@ -6006,7 +5956,7 @@
           <p:cNvPr id="3" name="Content Placeholder 2">
             <a:extLst>
               <a:ext uri="{FF2B5EF4-FFF2-40B4-BE49-F238E27FC236}">
-                <a16:creationId xmlns:a16="http://schemas.microsoft.com/office/drawing/2014/main" xmlns="" id="{9837E5CC-BF5A-4014-A960-027746B057F7}"/>
+                <a16:creationId xmlns="" xmlns:a16="http://schemas.microsoft.com/office/drawing/2014/main" id="{9837E5CC-BF5A-4014-A960-027746B057F7}"/>
               </a:ext>
             </a:extLst>
           </p:cNvPr>
@@ -6065,7 +6015,7 @@
     </p:spTree>
     <p:extLst>
       <p:ext uri="{BB962C8B-B14F-4D97-AF65-F5344CB8AC3E}">
-        <p14:creationId xmlns:p14="http://schemas.microsoft.com/office/powerpoint/2010/main" xmlns="" val="585015999"/>
+        <p14:creationId xmlns="" xmlns:p14="http://schemas.microsoft.com/office/powerpoint/2010/main" val="585015999"/>
       </p:ext>
     </p:extLst>
   </p:cSld>
@@ -7147,7 +7097,7 @@
           <p:cNvPr id="2" name="Title 1">
             <a:extLst>
               <a:ext uri="{FF2B5EF4-FFF2-40B4-BE49-F238E27FC236}">
-                <a16:creationId xmlns:a16="http://schemas.microsoft.com/office/drawing/2014/main" xmlns="" id="{1359EB95-024F-4DBD-A780-4E0526C3F9E6}"/>
+                <a16:creationId xmlns="" xmlns:a16="http://schemas.microsoft.com/office/drawing/2014/main" id="{1359EB95-024F-4DBD-A780-4E0526C3F9E6}"/>
               </a:ext>
             </a:extLst>
           </p:cNvPr>
@@ -7172,7 +7122,7 @@
           <p:cNvPr id="3" name="Content Placeholder 2">
             <a:extLst>
               <a:ext uri="{FF2B5EF4-FFF2-40B4-BE49-F238E27FC236}">
-                <a16:creationId xmlns:a16="http://schemas.microsoft.com/office/drawing/2014/main" xmlns="" id="{32F22EB3-2764-4E6C-A930-48CF5CA1A50B}"/>
+                <a16:creationId xmlns="" xmlns:a16="http://schemas.microsoft.com/office/drawing/2014/main" id="{32F22EB3-2764-4E6C-A930-48CF5CA1A50B}"/>
               </a:ext>
             </a:extLst>
           </p:cNvPr>
@@ -7197,7 +7147,7 @@
           <p:cNvPr id="6" name="TextBox 5">
             <a:extLst>
               <a:ext uri="{FF2B5EF4-FFF2-40B4-BE49-F238E27FC236}">
-                <a16:creationId xmlns:a16="http://schemas.microsoft.com/office/drawing/2014/main" xmlns="" id="{AB60295D-2B3E-44EB-91C9-DA458D18C08A}"/>
+                <a16:creationId xmlns="" xmlns:a16="http://schemas.microsoft.com/office/drawing/2014/main" id="{AB60295D-2B3E-44EB-91C9-DA458D18C08A}"/>
               </a:ext>
             </a:extLst>
           </p:cNvPr>
@@ -7267,7 +7217,7 @@
     </p:spTree>
     <p:extLst>
       <p:ext uri="{BB962C8B-B14F-4D97-AF65-F5344CB8AC3E}">
-        <p14:creationId xmlns:p14="http://schemas.microsoft.com/office/powerpoint/2010/main" xmlns="" val="1326862909"/>
+        <p14:creationId xmlns="" xmlns:p14="http://schemas.microsoft.com/office/powerpoint/2010/main" val="1326862909"/>
       </p:ext>
     </p:extLst>
   </p:cSld>
@@ -7444,7 +7394,7 @@
           <p:cNvPr id="3" name="Content Placeholder 2">
             <a:extLst>
               <a:ext uri="{FF2B5EF4-FFF2-40B4-BE49-F238E27FC236}">
-                <a16:creationId xmlns:a16="http://schemas.microsoft.com/office/drawing/2014/main" xmlns="" id="{EABED319-936A-43EF-9337-C96946814D0C}"/>
+                <a16:creationId xmlns="" xmlns:a16="http://schemas.microsoft.com/office/drawing/2014/main" id="{EABED319-936A-43EF-9337-C96946814D0C}"/>
               </a:ext>
             </a:extLst>
           </p:cNvPr>
@@ -7469,7 +7419,7 @@
           <p:cNvPr id="6" name="TextBox 5">
             <a:extLst>
               <a:ext uri="{FF2B5EF4-FFF2-40B4-BE49-F238E27FC236}">
-                <a16:creationId xmlns:a16="http://schemas.microsoft.com/office/drawing/2014/main" xmlns="" id="{4FE09D13-9B65-4D5F-AD52-4D391F0966F6}"/>
+                <a16:creationId xmlns="" xmlns:a16="http://schemas.microsoft.com/office/drawing/2014/main" id="{4FE09D13-9B65-4D5F-AD52-4D391F0966F6}"/>
               </a:ext>
             </a:extLst>
           </p:cNvPr>
@@ -7518,7 +7468,7 @@
           <p:cNvPr id="7" name="Title 6">
             <a:extLst>
               <a:ext uri="{FF2B5EF4-FFF2-40B4-BE49-F238E27FC236}">
-                <a16:creationId xmlns:a16="http://schemas.microsoft.com/office/drawing/2014/main" xmlns="" id="{5156AE7B-2879-4D3E-84F4-FE2E8D0D8B05}"/>
+                <a16:creationId xmlns="" xmlns:a16="http://schemas.microsoft.com/office/drawing/2014/main" id="{5156AE7B-2879-4D3E-84F4-FE2E8D0D8B05}"/>
               </a:ext>
             </a:extLst>
           </p:cNvPr>
@@ -7594,7 +7544,7 @@
     </p:spTree>
     <p:extLst>
       <p:ext uri="{BB962C8B-B14F-4D97-AF65-F5344CB8AC3E}">
-        <p14:creationId xmlns:p14="http://schemas.microsoft.com/office/powerpoint/2010/main" xmlns="" val="4133511512"/>
+        <p14:creationId xmlns="" xmlns:p14="http://schemas.microsoft.com/office/powerpoint/2010/main" val="4133511512"/>
       </p:ext>
     </p:extLst>
   </p:cSld>
@@ -7717,7 +7667,7 @@
           <p:cNvPr id="3" name="Content Placeholder 2">
             <a:extLst>
               <a:ext uri="{FF2B5EF4-FFF2-40B4-BE49-F238E27FC236}">
-                <a16:creationId xmlns:a16="http://schemas.microsoft.com/office/drawing/2014/main" xmlns="" id="{EABED319-936A-43EF-9337-C96946814D0C}"/>
+                <a16:creationId xmlns="" xmlns:a16="http://schemas.microsoft.com/office/drawing/2014/main" id="{EABED319-936A-43EF-9337-C96946814D0C}"/>
               </a:ext>
             </a:extLst>
           </p:cNvPr>
@@ -7742,7 +7692,7 @@
           <p:cNvPr id="6" name="TextBox 5">
             <a:extLst>
               <a:ext uri="{FF2B5EF4-FFF2-40B4-BE49-F238E27FC236}">
-                <a16:creationId xmlns:a16="http://schemas.microsoft.com/office/drawing/2014/main" xmlns="" id="{4FE09D13-9B65-4D5F-AD52-4D391F0966F6}"/>
+                <a16:creationId xmlns="" xmlns:a16="http://schemas.microsoft.com/office/drawing/2014/main" id="{4FE09D13-9B65-4D5F-AD52-4D391F0966F6}"/>
               </a:ext>
             </a:extLst>
           </p:cNvPr>
@@ -7791,7 +7741,7 @@
           <p:cNvPr id="7" name="Title 6">
             <a:extLst>
               <a:ext uri="{FF2B5EF4-FFF2-40B4-BE49-F238E27FC236}">
-                <a16:creationId xmlns:a16="http://schemas.microsoft.com/office/drawing/2014/main" xmlns="" id="{5156AE7B-2879-4D3E-84F4-FE2E8D0D8B05}"/>
+                <a16:creationId xmlns="" xmlns:a16="http://schemas.microsoft.com/office/drawing/2014/main" id="{5156AE7B-2879-4D3E-84F4-FE2E8D0D8B05}"/>
               </a:ext>
             </a:extLst>
           </p:cNvPr>
@@ -7867,7 +7817,7 @@
     </p:spTree>
     <p:extLst>
       <p:ext uri="{BB962C8B-B14F-4D97-AF65-F5344CB8AC3E}">
-        <p14:creationId xmlns:p14="http://schemas.microsoft.com/office/powerpoint/2010/main" xmlns="" val="4133511512"/>
+        <p14:creationId xmlns="" xmlns:p14="http://schemas.microsoft.com/office/powerpoint/2010/main" val="4133511512"/>
       </p:ext>
     </p:extLst>
   </p:cSld>
@@ -7990,7 +7940,7 @@
           <p:cNvPr id="2" name="Title 1">
             <a:extLst>
               <a:ext uri="{FF2B5EF4-FFF2-40B4-BE49-F238E27FC236}">
-                <a16:creationId xmlns:a16="http://schemas.microsoft.com/office/drawing/2014/main" xmlns="" id="{BC1329AA-675B-4D27-B020-8E453C01C0DF}"/>
+                <a16:creationId xmlns="" xmlns:a16="http://schemas.microsoft.com/office/drawing/2014/main" id="{BC1329AA-675B-4D27-B020-8E453C01C0DF}"/>
               </a:ext>
             </a:extLst>
           </p:cNvPr>
@@ -8015,7 +7965,7 @@
           <p:cNvPr id="3" name="Content Placeholder 2">
             <a:extLst>
               <a:ext uri="{FF2B5EF4-FFF2-40B4-BE49-F238E27FC236}">
-                <a16:creationId xmlns:a16="http://schemas.microsoft.com/office/drawing/2014/main" xmlns="" id="{B9E70302-8540-4A09-AF0D-3C695A5DB749}"/>
+                <a16:creationId xmlns="" xmlns:a16="http://schemas.microsoft.com/office/drawing/2014/main" id="{B9E70302-8540-4A09-AF0D-3C695A5DB749}"/>
               </a:ext>
             </a:extLst>
           </p:cNvPr>
@@ -8040,7 +7990,7 @@
           <p:cNvPr id="6" name="TextBox 5">
             <a:extLst>
               <a:ext uri="{FF2B5EF4-FFF2-40B4-BE49-F238E27FC236}">
-                <a16:creationId xmlns:a16="http://schemas.microsoft.com/office/drawing/2014/main" xmlns="" id="{ED1E1237-A448-408E-B5D6-D8369236416B}"/>
+                <a16:creationId xmlns="" xmlns:a16="http://schemas.microsoft.com/office/drawing/2014/main" id="{ED1E1237-A448-408E-B5D6-D8369236416B}"/>
               </a:ext>
             </a:extLst>
           </p:cNvPr>
@@ -8135,7 +8085,7 @@
           <p:cNvPr id="8" name="TextBox 7">
             <a:extLst>
               <a:ext uri="{FF2B5EF4-FFF2-40B4-BE49-F238E27FC236}">
-                <a16:creationId xmlns:a16="http://schemas.microsoft.com/office/drawing/2014/main" xmlns="" id="{949EF0AF-964C-4D82-BF5B-311F6AF6801A}"/>
+                <a16:creationId xmlns="" xmlns:a16="http://schemas.microsoft.com/office/drawing/2014/main" id="{949EF0AF-964C-4D82-BF5B-311F6AF6801A}"/>
               </a:ext>
             </a:extLst>
           </p:cNvPr>
@@ -8388,7 +8338,7 @@
     </p:spTree>
     <p:extLst>
       <p:ext uri="{BB962C8B-B14F-4D97-AF65-F5344CB8AC3E}">
-        <p14:creationId xmlns:p14="http://schemas.microsoft.com/office/powerpoint/2010/main" xmlns="" val="446407478"/>
+        <p14:creationId xmlns="" xmlns:p14="http://schemas.microsoft.com/office/powerpoint/2010/main" val="446407478"/>
       </p:ext>
     </p:extLst>
   </p:cSld>
@@ -8936,60 +8886,10 @@
       </p:grpSpPr>
       <p:sp>
         <p:nvSpPr>
-          <p:cNvPr id="2" name="Title 1">
-            <a:extLst>
-              <a:ext uri="{FF2B5EF4-FFF2-40B4-BE49-F238E27FC236}">
-                <a16:creationId xmlns:a16="http://schemas.microsoft.com/office/drawing/2014/main" xmlns="" id="{BC1329AA-675B-4D27-B020-8E453C01C0DF}"/>
-              </a:ext>
-            </a:extLst>
-          </p:cNvPr>
-          <p:cNvSpPr>
-            <a:spLocks noGrp="1"/>
-          </p:cNvSpPr>
-          <p:nvPr>
-            <p:ph type="title"/>
-          </p:nvPr>
-        </p:nvSpPr>
-        <p:spPr/>
-        <p:txBody>
-          <a:bodyPr/>
-          <a:lstStyle/>
-          <a:p>
-            <a:endParaRPr lang="en-IN" dirty="0"/>
-          </a:p>
-        </p:txBody>
-      </p:sp>
-      <p:sp>
-        <p:nvSpPr>
-          <p:cNvPr id="3" name="Content Placeholder 2">
-            <a:extLst>
-              <a:ext uri="{FF2B5EF4-FFF2-40B4-BE49-F238E27FC236}">
-                <a16:creationId xmlns:a16="http://schemas.microsoft.com/office/drawing/2014/main" xmlns="" id="{B9E70302-8540-4A09-AF0D-3C695A5DB749}"/>
-              </a:ext>
-            </a:extLst>
-          </p:cNvPr>
-          <p:cNvSpPr>
-            <a:spLocks noGrp="1"/>
-          </p:cNvSpPr>
-          <p:nvPr>
-            <p:ph idx="1"/>
-          </p:nvPr>
-        </p:nvSpPr>
-        <p:spPr/>
-        <p:txBody>
-          <a:bodyPr/>
-          <a:lstStyle/>
-          <a:p>
-            <a:endParaRPr lang="en-IN" dirty="0"/>
-          </a:p>
-        </p:txBody>
-      </p:sp>
-      <p:sp>
-        <p:nvSpPr>
           <p:cNvPr id="6" name="TextBox 5">
             <a:extLst>
               <a:ext uri="{FF2B5EF4-FFF2-40B4-BE49-F238E27FC236}">
-                <a16:creationId xmlns:a16="http://schemas.microsoft.com/office/drawing/2014/main" xmlns="" id="{ED1E1237-A448-408E-B5D6-D8369236416B}"/>
+                <a16:creationId xmlns="" xmlns:a16="http://schemas.microsoft.com/office/drawing/2014/main" id="{ED1E1237-A448-408E-B5D6-D8369236416B}"/>
               </a:ext>
             </a:extLst>
           </p:cNvPr>
@@ -9048,7 +8948,7 @@
           <p:cNvPr id="8" name="TextBox 7">
             <a:extLst>
               <a:ext uri="{FF2B5EF4-FFF2-40B4-BE49-F238E27FC236}">
-                <a16:creationId xmlns:a16="http://schemas.microsoft.com/office/drawing/2014/main" xmlns="" id="{949EF0AF-964C-4D82-BF5B-311F6AF6801A}"/>
+                <a16:creationId xmlns="" xmlns:a16="http://schemas.microsoft.com/office/drawing/2014/main" id="{949EF0AF-964C-4D82-BF5B-311F6AF6801A}"/>
               </a:ext>
             </a:extLst>
           </p:cNvPr>
@@ -9058,7 +8958,7 @@
         <p:spPr>
           <a:xfrm>
             <a:off x="838200" y="2492441"/>
-            <a:ext cx="10515600" cy="1515095"/>
+            <a:ext cx="10515600" cy="1179169"/>
           </a:xfrm>
           <a:prstGeom prst="rect">
             <a:avLst/>
@@ -9088,10 +8988,10 @@
                 <a:ea typeface="Cambria" panose="02040503050406030204" pitchFamily="18" charset="0"/>
                 <a:cs typeface="Times New Roman" panose="02020603050405020304" pitchFamily="18" charset="0"/>
               </a:rPr>
-              <a:t>Amazon Web Services is a subsidiary of Amazon that provides on-demand cloud computing platforms and APIs to individuals, companies, and governments, on a metered, pay-as-you-go basis. Clients will often use this in combination with </a:t>
-            </a:r>
-            <a:r>
-              <a:rPr lang="en-US" sz="2200" b="1" i="1" dirty="0" err="1" smtClean="0">
+              <a:t>Amazon Web Services is a </a:t>
+            </a:r>
+            <a:r>
+              <a:rPr lang="en-US" sz="2200" b="1" i="1" dirty="0" smtClean="0">
                 <a:solidFill>
                   <a:srgbClr val="000000"/>
                 </a:solidFill>
@@ -9099,7 +8999,7 @@
                 <a:ea typeface="Cambria" panose="02040503050406030204" pitchFamily="18" charset="0"/>
                 <a:cs typeface="Times New Roman" panose="02020603050405020304" pitchFamily="18" charset="0"/>
               </a:rPr>
-              <a:t>autoscaling</a:t>
+              <a:t>cloud provider service that offers a variety of services such as compute power, database storage, networking and other resources to help business grow.</a:t>
             </a:r>
             <a:endParaRPr lang="en-IN" sz="2200" b="1" i="1" dirty="0">
               <a:solidFill>
@@ -9116,7 +9016,7 @@
     </p:spTree>
     <p:extLst>
       <p:ext uri="{BB962C8B-B14F-4D97-AF65-F5344CB8AC3E}">
-        <p14:creationId xmlns:p14="http://schemas.microsoft.com/office/powerpoint/2010/main" xmlns="" val="446407478"/>
+        <p14:creationId xmlns="" xmlns:p14="http://schemas.microsoft.com/office/powerpoint/2010/main" val="446407478"/>
       </p:ext>
     </p:extLst>
   </p:cSld>
@@ -9232,13 +9132,21 @@
             <p:ph type="title"/>
           </p:nvPr>
         </p:nvSpPr>
-        <p:spPr/>
-        <p:txBody>
-          <a:bodyPr/>
+        <p:spPr>
+          <a:xfrm>
+            <a:off x="838200" y="365126"/>
+            <a:ext cx="10515600" cy="836658"/>
+          </a:xfrm>
+        </p:spPr>
+        <p:txBody>
+          <a:bodyPr>
+            <a:normAutofit fontScale="90000"/>
+          </a:bodyPr>
           <a:lstStyle/>
           <a:p>
-            <a:r>
-              <a:rPr lang="en-IN" b="1" u="sng" dirty="0" smtClean="0">
+            <a:pPr algn="ctr"/>
+            <a:r>
+              <a:rPr lang="en-IN" b="1" dirty="0" smtClean="0">
                 <a:solidFill>
                   <a:schemeClr val="accent2"/>
                 </a:solidFill>
@@ -9246,7 +9154,61 @@
                 <a:ea typeface="Times New Roman" panose="02020603050405020304" pitchFamily="18" charset="0"/>
                 <a:cs typeface="Times New Roman" panose="02020603050405020304" pitchFamily="18" charset="0"/>
               </a:rPr>
-              <a:t>Why should I learn AWS:</a:t>
+              <a:t/>
+            </a:r>
+            <a:br>
+              <a:rPr lang="en-IN" b="1" dirty="0" smtClean="0">
+                <a:solidFill>
+                  <a:schemeClr val="accent2"/>
+                </a:solidFill>
+                <a:latin typeface="Georgia Pro Cond Black" panose="02040A06050405020203" pitchFamily="18" charset="0"/>
+                <a:ea typeface="Times New Roman" panose="02020603050405020304" pitchFamily="18" charset="0"/>
+                <a:cs typeface="Times New Roman" panose="02020603050405020304" pitchFamily="18" charset="0"/>
+              </a:rPr>
+            </a:br>
+            <a:r>
+              <a:rPr lang="en-IN" b="1" dirty="0" smtClean="0">
+                <a:solidFill>
+                  <a:schemeClr val="accent2"/>
+                </a:solidFill>
+                <a:latin typeface="Georgia Pro Cond Black" panose="02040A06050405020203" pitchFamily="18" charset="0"/>
+                <a:ea typeface="Times New Roman" panose="02020603050405020304" pitchFamily="18" charset="0"/>
+                <a:cs typeface="Times New Roman" panose="02020603050405020304" pitchFamily="18" charset="0"/>
+              </a:rPr>
+              <a:t>Why </a:t>
+            </a:r>
+            <a:r>
+              <a:rPr lang="en-IN" b="1" dirty="0" smtClean="0">
+                <a:solidFill>
+                  <a:schemeClr val="accent2"/>
+                </a:solidFill>
+                <a:latin typeface="Georgia Pro Cond Black" panose="02040A06050405020203" pitchFamily="18" charset="0"/>
+                <a:ea typeface="Times New Roman" panose="02020603050405020304" pitchFamily="18" charset="0"/>
+                <a:cs typeface="Times New Roman" panose="02020603050405020304" pitchFamily="18" charset="0"/>
+              </a:rPr>
+              <a:t>should I learn </a:t>
+            </a:r>
+            <a:r>
+              <a:rPr lang="en-IN" b="1" dirty="0" smtClean="0">
+                <a:solidFill>
+                  <a:schemeClr val="accent2"/>
+                </a:solidFill>
+                <a:latin typeface="Georgia Pro Cond Black" panose="02040A06050405020203" pitchFamily="18" charset="0"/>
+                <a:ea typeface="Times New Roman" panose="02020603050405020304" pitchFamily="18" charset="0"/>
+                <a:cs typeface="Times New Roman" panose="02020603050405020304" pitchFamily="18" charset="0"/>
+              </a:rPr>
+              <a:t>AWS?</a:t>
+            </a:r>
+            <a:r>
+              <a:rPr lang="en-IN" b="1" u="sng" dirty="0" smtClean="0">
+                <a:solidFill>
+                  <a:schemeClr val="accent2"/>
+                </a:solidFill>
+                <a:latin typeface="Georgia Pro Cond Black" panose="02040A06050405020203" pitchFamily="18" charset="0"/>
+                <a:ea typeface="Times New Roman" panose="02020603050405020304" pitchFamily="18" charset="0"/>
+                <a:cs typeface="Times New Roman" panose="02020603050405020304" pitchFamily="18" charset="0"/>
+              </a:rPr>
+              <a:t/>
             </a:r>
             <a:br>
               <a:rPr lang="en-IN" b="1" u="sng" dirty="0" smtClean="0">
@@ -9296,11 +9258,7 @@
             </a:r>
             <a:r>
               <a:rPr lang="en-US" smtClean="0"/>
-              <a:t>Is </a:t>
-            </a:r>
-            <a:r>
-              <a:rPr lang="en-US" smtClean="0"/>
-              <a:t>required </a:t>
+              <a:t>Is required </a:t>
             </a:r>
             <a:r>
               <a:rPr lang="en-US" dirty="0" smtClean="0"/>
@@ -9385,7 +9343,7 @@
           <p:cNvPr id="2" name="Title 1">
             <a:extLst>
               <a:ext uri="{FF2B5EF4-FFF2-40B4-BE49-F238E27FC236}">
-                <a16:creationId xmlns:a16="http://schemas.microsoft.com/office/drawing/2014/main" xmlns="" id="{A1E9077F-B196-406F-926B-F01398B26DC2}"/>
+                <a16:creationId xmlns="" xmlns:a16="http://schemas.microsoft.com/office/drawing/2014/main" id="{A1E9077F-B196-406F-926B-F01398B26DC2}"/>
               </a:ext>
             </a:extLst>
           </p:cNvPr>
@@ -9428,35 +9386,10 @@
       </p:sp>
       <p:sp>
         <p:nvSpPr>
-          <p:cNvPr id="3" name="Content Placeholder 2">
-            <a:extLst>
-              <a:ext uri="{FF2B5EF4-FFF2-40B4-BE49-F238E27FC236}">
-                <a16:creationId xmlns:a16="http://schemas.microsoft.com/office/drawing/2014/main" xmlns="" id="{07BFD349-2396-4907-9F60-AC452B1763A2}"/>
-              </a:ext>
-            </a:extLst>
-          </p:cNvPr>
-          <p:cNvSpPr>
-            <a:spLocks noGrp="1"/>
-          </p:cNvSpPr>
-          <p:nvPr>
-            <p:ph idx="1"/>
-          </p:nvPr>
-        </p:nvSpPr>
-        <p:spPr/>
-        <p:txBody>
-          <a:bodyPr/>
-          <a:lstStyle/>
-          <a:p>
-            <a:endParaRPr lang="en-IN"/>
-          </a:p>
-        </p:txBody>
-      </p:sp>
-      <p:sp>
-        <p:nvSpPr>
           <p:cNvPr id="6" name="TextBox 5">
             <a:extLst>
               <a:ext uri="{FF2B5EF4-FFF2-40B4-BE49-F238E27FC236}">
-                <a16:creationId xmlns:a16="http://schemas.microsoft.com/office/drawing/2014/main" xmlns="" id="{7CE4830F-8E71-4AC0-B8BF-C8266DA9BEC1}"/>
+                <a16:creationId xmlns="" xmlns:a16="http://schemas.microsoft.com/office/drawing/2014/main" id="{7CE4830F-8E71-4AC0-B8BF-C8266DA9BEC1}"/>
               </a:ext>
             </a:extLst>
           </p:cNvPr>
@@ -9465,7 +9398,7 @@
         </p:nvSpPr>
         <p:spPr>
           <a:xfrm>
-            <a:off x="838200" y="1497620"/>
+            <a:off x="838200" y="1227910"/>
             <a:ext cx="10515599" cy="4585871"/>
           </a:xfrm>
           <a:prstGeom prst="rect">
@@ -9692,7 +9625,7 @@
     </p:spTree>
     <p:extLst>
       <p:ext uri="{BB962C8B-B14F-4D97-AF65-F5344CB8AC3E}">
-        <p14:creationId xmlns:p14="http://schemas.microsoft.com/office/powerpoint/2010/main" xmlns="" val="1071489767"/>
+        <p14:creationId xmlns="" xmlns:p14="http://schemas.microsoft.com/office/powerpoint/2010/main" val="1071489767"/>
       </p:ext>
     </p:extLst>
   </p:cSld>
@@ -10720,7 +10653,7 @@
   <a:extraClrSchemeLst/>
   <a:extLst>
     <a:ext uri="{05A4C25C-085E-4340-85A3-A5531E510DB2}">
-      <thm15:themeFamily xmlns:thm15="http://schemas.microsoft.com/office/thememl/2012/main" xmlns="" name="Office Theme" id="{62F939B6-93AF-4DB8-9C6B-D6C7DFDC589F}" vid="{4A3C46E8-61CC-4603-A589-7422A47A8E4A}"/>
+      <thm15:themeFamily xmlns="" xmlns:thm15="http://schemas.microsoft.com/office/thememl/2012/main" name="Office Theme" id="{62F939B6-93AF-4DB8-9C6B-D6C7DFDC589F}" vid="{4A3C46E8-61CC-4603-A589-7422A47A8E4A}"/>
     </a:ext>
   </a:extLst>
 </a:theme>
